--- a/Klasifikacija_voca_i_povrca_prezentacija_final.pptx
+++ b/Klasifikacija_voca_i_povrca_prezentacija_final.pptx
@@ -8,11 +8,25 @@
     <p:sldId id="256" r:id="rId2"/>
     <p:sldId id="257" r:id="rId3"/>
     <p:sldId id="258" r:id="rId4"/>
-    <p:sldId id="259" r:id="rId5"/>
-    <p:sldId id="261" r:id="rId6"/>
-    <p:sldId id="262" r:id="rId7"/>
-    <p:sldId id="263" r:id="rId8"/>
-    <p:sldId id="260" r:id="rId9"/>
+    <p:sldId id="264" r:id="rId5"/>
+    <p:sldId id="259" r:id="rId6"/>
+    <p:sldId id="261" r:id="rId7"/>
+    <p:sldId id="265" r:id="rId8"/>
+    <p:sldId id="266" r:id="rId9"/>
+    <p:sldId id="267" r:id="rId10"/>
+    <p:sldId id="268" r:id="rId11"/>
+    <p:sldId id="269" r:id="rId12"/>
+    <p:sldId id="262" r:id="rId13"/>
+    <p:sldId id="275" r:id="rId14"/>
+    <p:sldId id="270" r:id="rId15"/>
+    <p:sldId id="271" r:id="rId16"/>
+    <p:sldId id="272" r:id="rId17"/>
+    <p:sldId id="273" r:id="rId18"/>
+    <p:sldId id="274" r:id="rId19"/>
+    <p:sldId id="263" r:id="rId20"/>
+    <p:sldId id="277" r:id="rId21"/>
+    <p:sldId id="276" r:id="rId22"/>
+    <p:sldId id="260" r:id="rId23"/>
   </p:sldIdLst>
   <p:sldSz cx="9144000" cy="6858000" type="screen4x3"/>
   <p:notesSz cx="6858000" cy="9144000"/>
@@ -3709,6 +3723,830 @@
 </p:sld>
 </file>
 
+<file path=ppt/slides/slide10.xml><?xml version="1.0" encoding="utf-8"?>
+<p:sld xmlns:a="http://schemas.openxmlformats.org/drawingml/2006/main" xmlns:r="http://schemas.openxmlformats.org/officeDocument/2006/relationships" xmlns:p="http://schemas.openxmlformats.org/presentationml/2006/main">
+  <p:cSld>
+    <p:spTree>
+      <p:nvGrpSpPr>
+        <p:cNvPr id="1" name=""/>
+        <p:cNvGrpSpPr/>
+        <p:nvPr/>
+      </p:nvGrpSpPr>
+      <p:grpSpPr>
+        <a:xfrm>
+          <a:off x="0" y="0"/>
+          <a:ext cx="0" cy="0"/>
+          <a:chOff x="0" y="0"/>
+          <a:chExt cx="0" cy="0"/>
+        </a:xfrm>
+      </p:grpSpPr>
+      <p:pic>
+        <p:nvPicPr>
+          <p:cNvPr id="5" name="Content Placeholder 4">
+            <a:extLst>
+              <a:ext uri="{FF2B5EF4-FFF2-40B4-BE49-F238E27FC236}">
+                <a16:creationId xmlns:a16="http://schemas.microsoft.com/office/drawing/2014/main" id="{C5F3EE4E-D872-442B-A8AD-197ECB0A7782}"/>
+              </a:ext>
+            </a:extLst>
+          </p:cNvPr>
+          <p:cNvPicPr>
+            <a:picLocks noGrp="1" noChangeAspect="1"/>
+          </p:cNvPicPr>
+          <p:nvPr>
+            <p:ph idx="1"/>
+          </p:nvPr>
+        </p:nvPicPr>
+        <p:blipFill>
+          <a:blip r:embed="rId2"/>
+          <a:stretch>
+            <a:fillRect/>
+          </a:stretch>
+        </p:blipFill>
+        <p:spPr>
+          <a:xfrm>
+            <a:off x="91644" y="311084"/>
+            <a:ext cx="9052356" cy="6099142"/>
+          </a:xfrm>
+          <a:prstGeom prst="rect">
+            <a:avLst/>
+          </a:prstGeom>
+          <a:solidFill>
+            <a:srgbClr val="FFFFFF">
+              <a:shade val="85000"/>
+            </a:srgbClr>
+          </a:solidFill>
+          <a:ln w="88900" cap="sq">
+            <a:solidFill>
+              <a:srgbClr val="FFFFFF"/>
+            </a:solidFill>
+            <a:miter lim="800000"/>
+          </a:ln>
+          <a:effectLst>
+            <a:outerShdw blurRad="55000" dist="18000" dir="5400000" algn="tl" rotWithShape="0">
+              <a:srgbClr val="000000">
+                <a:alpha val="40000"/>
+              </a:srgbClr>
+            </a:outerShdw>
+          </a:effectLst>
+          <a:scene3d>
+            <a:camera prst="orthographicFront"/>
+            <a:lightRig rig="twoPt" dir="t">
+              <a:rot lat="0" lon="0" rev="7200000"/>
+            </a:lightRig>
+          </a:scene3d>
+          <a:sp3d>
+            <a:bevelT w="25400" h="19050"/>
+            <a:contourClr>
+              <a:srgbClr val="FFFFFF"/>
+            </a:contourClr>
+          </a:sp3d>
+        </p:spPr>
+      </p:pic>
+    </p:spTree>
+    <p:extLst>
+      <p:ext uri="{BB962C8B-B14F-4D97-AF65-F5344CB8AC3E}">
+        <p14:creationId xmlns:p14="http://schemas.microsoft.com/office/powerpoint/2010/main" val="1787226360"/>
+      </p:ext>
+    </p:extLst>
+  </p:cSld>
+  <p:clrMapOvr>
+    <a:masterClrMapping/>
+  </p:clrMapOvr>
+</p:sld>
+</file>
+
+<file path=ppt/slides/slide11.xml><?xml version="1.0" encoding="utf-8"?>
+<p:sld xmlns:a="http://schemas.openxmlformats.org/drawingml/2006/main" xmlns:r="http://schemas.openxmlformats.org/officeDocument/2006/relationships" xmlns:p="http://schemas.openxmlformats.org/presentationml/2006/main">
+  <p:cSld>
+    <p:spTree>
+      <p:nvGrpSpPr>
+        <p:cNvPr id="1" name=""/>
+        <p:cNvGrpSpPr/>
+        <p:nvPr/>
+      </p:nvGrpSpPr>
+      <p:grpSpPr>
+        <a:xfrm>
+          <a:off x="0" y="0"/>
+          <a:ext cx="0" cy="0"/>
+          <a:chOff x="0" y="0"/>
+          <a:chExt cx="0" cy="0"/>
+        </a:xfrm>
+      </p:grpSpPr>
+      <p:pic>
+        <p:nvPicPr>
+          <p:cNvPr id="5" name="Content Placeholder 4">
+            <a:extLst>
+              <a:ext uri="{FF2B5EF4-FFF2-40B4-BE49-F238E27FC236}">
+                <a16:creationId xmlns:a16="http://schemas.microsoft.com/office/drawing/2014/main" id="{0E1BA616-3642-4CF5-846F-F7E5A3C7E0C3}"/>
+              </a:ext>
+            </a:extLst>
+          </p:cNvPr>
+          <p:cNvPicPr>
+            <a:picLocks noGrp="1" noChangeAspect="1"/>
+          </p:cNvPicPr>
+          <p:nvPr>
+            <p:ph idx="1"/>
+          </p:nvPr>
+        </p:nvPicPr>
+        <p:blipFill>
+          <a:blip r:embed="rId2"/>
+          <a:stretch>
+            <a:fillRect/>
+          </a:stretch>
+        </p:blipFill>
+        <p:spPr>
+          <a:xfrm>
+            <a:off x="895975" y="688157"/>
+            <a:ext cx="7713212" cy="5013276"/>
+          </a:xfrm>
+        </p:spPr>
+      </p:pic>
+    </p:spTree>
+    <p:extLst>
+      <p:ext uri="{BB962C8B-B14F-4D97-AF65-F5344CB8AC3E}">
+        <p14:creationId xmlns:p14="http://schemas.microsoft.com/office/powerpoint/2010/main" val="3977465050"/>
+      </p:ext>
+    </p:extLst>
+  </p:cSld>
+  <p:clrMapOvr>
+    <a:masterClrMapping/>
+  </p:clrMapOvr>
+</p:sld>
+</file>
+
+<file path=ppt/slides/slide12.xml><?xml version="1.0" encoding="utf-8"?>
+<p:sld xmlns:a="http://schemas.openxmlformats.org/drawingml/2006/main" xmlns:r="http://schemas.openxmlformats.org/officeDocument/2006/relationships" xmlns:p="http://schemas.openxmlformats.org/presentationml/2006/main">
+  <p:cSld>
+    <p:spTree>
+      <p:nvGrpSpPr>
+        <p:cNvPr id="1" name=""/>
+        <p:cNvGrpSpPr/>
+        <p:nvPr/>
+      </p:nvGrpSpPr>
+      <p:grpSpPr>
+        <a:xfrm>
+          <a:off x="0" y="0"/>
+          <a:ext cx="0" cy="0"/>
+          <a:chOff x="0" y="0"/>
+          <a:chExt cx="0" cy="0"/>
+        </a:xfrm>
+      </p:grpSpPr>
+      <p:sp>
+        <p:nvSpPr>
+          <p:cNvPr id="2" name="Title 1"/>
+          <p:cNvSpPr>
+            <a:spLocks noGrp="1"/>
+          </p:cNvSpPr>
+          <p:nvPr>
+            <p:ph type="title"/>
+          </p:nvPr>
+        </p:nvSpPr>
+        <p:spPr/>
+        <p:txBody>
+          <a:bodyPr/>
+          <a:lstStyle/>
+          <a:p>
+            <a:r>
+              <a:rPr dirty="0" err="1"/>
+              <a:t>ResNet</a:t>
+            </a:r>
+            <a:r>
+              <a:rPr dirty="0"/>
+              <a:t> (</a:t>
+            </a:r>
+            <a:r>
+              <a:rPr dirty="0" err="1"/>
+              <a:t>Residualna</a:t>
+            </a:r>
+            <a:r>
+              <a:rPr dirty="0"/>
+              <a:t> </a:t>
+            </a:r>
+            <a:r>
+              <a:rPr dirty="0" err="1"/>
+              <a:t>Mreža</a:t>
+            </a:r>
+            <a:r>
+              <a:rPr dirty="0"/>
+              <a:t>)</a:t>
+            </a:r>
+          </a:p>
+        </p:txBody>
+      </p:sp>
+      <p:sp>
+        <p:nvSpPr>
+          <p:cNvPr id="3" name="Content Placeholder 2"/>
+          <p:cNvSpPr>
+            <a:spLocks noGrp="1"/>
+          </p:cNvSpPr>
+          <p:nvPr>
+            <p:ph idx="1"/>
+          </p:nvPr>
+        </p:nvSpPr>
+        <p:spPr/>
+        <p:txBody>
+          <a:bodyPr>
+            <a:normAutofit fontScale="85000" lnSpcReduction="20000"/>
+          </a:bodyPr>
+          <a:lstStyle/>
+          <a:p>
+            <a:r>
+              <a:t>ResNet arhitektura rešava problem nestajućeg gradijenta u dubokim mrežama.</a:t>
+            </a:r>
+          </a:p>
+          <a:p>
+            <a:r>
+              <a:t>Osnovne karakteristike uključuju:</a:t>
+            </a:r>
+          </a:p>
+          <a:p>
+            <a:r>
+              <a:t>- Rezidualni blokovi: omogućavaju mreži da uči razliku između ulaza i izlaza.</a:t>
+            </a:r>
+          </a:p>
+          <a:p>
+            <a:r>
+              <a:t>- Skok veze: omogućavaju lakše treniranje veoma dubokih mreža.</a:t>
+            </a:r>
+          </a:p>
+          <a:p>
+            <a:r>
+              <a:t>ResNet koristi rezidualne blokove kako bi omogućio treniranje veoma dubokih mreža bez gubitka performansi.</a:t>
+            </a:r>
+          </a:p>
+          <a:p>
+            <a:r>
+              <a:t>Skok veze omogućavaju mreži da uči rezidualno preslikavanje, što ubrzava i olakšava proces obuke dubljih mreža.</a:t>
+            </a:r>
+          </a:p>
+        </p:txBody>
+      </p:sp>
+    </p:spTree>
+  </p:cSld>
+  <p:clrMapOvr>
+    <a:masterClrMapping/>
+  </p:clrMapOvr>
+</p:sld>
+</file>
+
+<file path=ppt/slides/slide13.xml><?xml version="1.0" encoding="utf-8"?>
+<p:sld xmlns:a="http://schemas.openxmlformats.org/drawingml/2006/main" xmlns:r="http://schemas.openxmlformats.org/officeDocument/2006/relationships" xmlns:p="http://schemas.openxmlformats.org/presentationml/2006/main">
+  <p:cSld>
+    <p:spTree>
+      <p:nvGrpSpPr>
+        <p:cNvPr id="1" name=""/>
+        <p:cNvGrpSpPr/>
+        <p:nvPr/>
+      </p:nvGrpSpPr>
+      <p:grpSpPr>
+        <a:xfrm>
+          <a:off x="0" y="0"/>
+          <a:ext cx="0" cy="0"/>
+          <a:chOff x="0" y="0"/>
+          <a:chExt cx="0" cy="0"/>
+        </a:xfrm>
+      </p:grpSpPr>
+      <p:pic>
+        <p:nvPicPr>
+          <p:cNvPr id="5" name="Content Placeholder 4">
+            <a:extLst>
+              <a:ext uri="{FF2B5EF4-FFF2-40B4-BE49-F238E27FC236}">
+                <a16:creationId xmlns:a16="http://schemas.microsoft.com/office/drawing/2014/main" id="{FCD8F657-3060-4CCF-B1D2-999636644C0B}"/>
+              </a:ext>
+            </a:extLst>
+          </p:cNvPr>
+          <p:cNvPicPr>
+            <a:picLocks noGrp="1" noChangeAspect="1"/>
+          </p:cNvPicPr>
+          <p:nvPr>
+            <p:ph idx="1"/>
+          </p:nvPr>
+        </p:nvPicPr>
+        <p:blipFill>
+          <a:blip r:embed="rId2"/>
+          <a:stretch>
+            <a:fillRect/>
+          </a:stretch>
+        </p:blipFill>
+        <p:spPr>
+          <a:xfrm>
+            <a:off x="1008791" y="969748"/>
+            <a:ext cx="7126418" cy="4083019"/>
+          </a:xfrm>
+        </p:spPr>
+      </p:pic>
+    </p:spTree>
+    <p:extLst>
+      <p:ext uri="{BB962C8B-B14F-4D97-AF65-F5344CB8AC3E}">
+        <p14:creationId xmlns:p14="http://schemas.microsoft.com/office/powerpoint/2010/main" val="3394429819"/>
+      </p:ext>
+    </p:extLst>
+  </p:cSld>
+  <p:clrMapOvr>
+    <a:masterClrMapping/>
+  </p:clrMapOvr>
+</p:sld>
+</file>
+
+<file path=ppt/slides/slide14.xml><?xml version="1.0" encoding="utf-8"?>
+<p:sld xmlns:a="http://schemas.openxmlformats.org/drawingml/2006/main" xmlns:r="http://schemas.openxmlformats.org/officeDocument/2006/relationships" xmlns:p="http://schemas.openxmlformats.org/presentationml/2006/main">
+  <p:cSld>
+    <p:spTree>
+      <p:nvGrpSpPr>
+        <p:cNvPr id="1" name=""/>
+        <p:cNvGrpSpPr/>
+        <p:nvPr/>
+      </p:nvGrpSpPr>
+      <p:grpSpPr>
+        <a:xfrm>
+          <a:off x="0" y="0"/>
+          <a:ext cx="0" cy="0"/>
+          <a:chOff x="0" y="0"/>
+          <a:chExt cx="0" cy="0"/>
+        </a:xfrm>
+      </p:grpSpPr>
+      <p:pic>
+        <p:nvPicPr>
+          <p:cNvPr id="5" name="Content Placeholder 4">
+            <a:extLst>
+              <a:ext uri="{FF2B5EF4-FFF2-40B4-BE49-F238E27FC236}">
+                <a16:creationId xmlns:a16="http://schemas.microsoft.com/office/drawing/2014/main" id="{BFA6551B-91C7-4591-9BB7-72F43B385946}"/>
+              </a:ext>
+            </a:extLst>
+          </p:cNvPr>
+          <p:cNvPicPr>
+            <a:picLocks noGrp="1" noChangeAspect="1"/>
+          </p:cNvPicPr>
+          <p:nvPr>
+            <p:ph idx="1"/>
+          </p:nvPr>
+        </p:nvPicPr>
+        <p:blipFill>
+          <a:blip r:embed="rId2"/>
+          <a:stretch>
+            <a:fillRect/>
+          </a:stretch>
+        </p:blipFill>
+        <p:spPr>
+          <a:xfrm>
+            <a:off x="802468" y="1329137"/>
+            <a:ext cx="7301878" cy="4391107"/>
+          </a:xfrm>
+        </p:spPr>
+      </p:pic>
+      <p:sp>
+        <p:nvSpPr>
+          <p:cNvPr id="7" name="Title 1">
+            <a:extLst>
+              <a:ext uri="{FF2B5EF4-FFF2-40B4-BE49-F238E27FC236}">
+                <a16:creationId xmlns:a16="http://schemas.microsoft.com/office/drawing/2014/main" id="{4A929DA5-C13E-49E5-B359-031F51990C3F}"/>
+              </a:ext>
+            </a:extLst>
+          </p:cNvPr>
+          <p:cNvSpPr>
+            <a:spLocks noGrp="1"/>
+          </p:cNvSpPr>
+          <p:nvPr>
+            <p:ph type="title"/>
+          </p:nvPr>
+        </p:nvSpPr>
+        <p:spPr>
+          <a:xfrm>
+            <a:off x="802468" y="279902"/>
+            <a:ext cx="6571343" cy="1049235"/>
+          </a:xfrm>
+        </p:spPr>
+        <p:txBody>
+          <a:bodyPr/>
+          <a:lstStyle/>
+          <a:p>
+            <a:r>
+              <a:rPr dirty="0" err="1"/>
+              <a:t>ResNet</a:t>
+            </a:r>
+            <a:r>
+              <a:rPr lang="en-US" dirty="0"/>
+              <a:t>-Pretrained</a:t>
+            </a:r>
+            <a:endParaRPr dirty="0"/>
+          </a:p>
+        </p:txBody>
+      </p:sp>
+    </p:spTree>
+    <p:extLst>
+      <p:ext uri="{BB962C8B-B14F-4D97-AF65-F5344CB8AC3E}">
+        <p14:creationId xmlns:p14="http://schemas.microsoft.com/office/powerpoint/2010/main" val="968221315"/>
+      </p:ext>
+    </p:extLst>
+  </p:cSld>
+  <p:clrMapOvr>
+    <a:masterClrMapping/>
+  </p:clrMapOvr>
+</p:sld>
+</file>
+
+<file path=ppt/slides/slide15.xml><?xml version="1.0" encoding="utf-8"?>
+<p:sld xmlns:a="http://schemas.openxmlformats.org/drawingml/2006/main" xmlns:r="http://schemas.openxmlformats.org/officeDocument/2006/relationships" xmlns:p="http://schemas.openxmlformats.org/presentationml/2006/main">
+  <p:cSld>
+    <p:spTree>
+      <p:nvGrpSpPr>
+        <p:cNvPr id="1" name=""/>
+        <p:cNvGrpSpPr/>
+        <p:nvPr/>
+      </p:nvGrpSpPr>
+      <p:grpSpPr>
+        <a:xfrm>
+          <a:off x="0" y="0"/>
+          <a:ext cx="0" cy="0"/>
+          <a:chOff x="0" y="0"/>
+          <a:chExt cx="0" cy="0"/>
+        </a:xfrm>
+      </p:grpSpPr>
+      <p:pic>
+        <p:nvPicPr>
+          <p:cNvPr id="5" name="Picture 4">
+            <a:extLst>
+              <a:ext uri="{FF2B5EF4-FFF2-40B4-BE49-F238E27FC236}">
+                <a16:creationId xmlns:a16="http://schemas.microsoft.com/office/drawing/2014/main" id="{18521607-41EB-4D0D-BB08-801C60CB72CF}"/>
+              </a:ext>
+            </a:extLst>
+          </p:cNvPr>
+          <p:cNvPicPr>
+            <a:picLocks noChangeAspect="1"/>
+          </p:cNvPicPr>
+          <p:nvPr/>
+        </p:nvPicPr>
+        <p:blipFill>
+          <a:blip r:embed="rId2"/>
+          <a:stretch>
+            <a:fillRect/>
+          </a:stretch>
+        </p:blipFill>
+        <p:spPr>
+          <a:xfrm>
+            <a:off x="251085" y="786983"/>
+            <a:ext cx="8641829" cy="4473328"/>
+          </a:xfrm>
+          <a:prstGeom prst="rect">
+            <a:avLst/>
+          </a:prstGeom>
+        </p:spPr>
+      </p:pic>
+    </p:spTree>
+    <p:extLst>
+      <p:ext uri="{BB962C8B-B14F-4D97-AF65-F5344CB8AC3E}">
+        <p14:creationId xmlns:p14="http://schemas.microsoft.com/office/powerpoint/2010/main" val="3017466632"/>
+      </p:ext>
+    </p:extLst>
+  </p:cSld>
+  <p:clrMapOvr>
+    <a:masterClrMapping/>
+  </p:clrMapOvr>
+</p:sld>
+</file>
+
+<file path=ppt/slides/slide16.xml><?xml version="1.0" encoding="utf-8"?>
+<p:sld xmlns:a="http://schemas.openxmlformats.org/drawingml/2006/main" xmlns:r="http://schemas.openxmlformats.org/officeDocument/2006/relationships" xmlns:p="http://schemas.openxmlformats.org/presentationml/2006/main">
+  <p:cSld>
+    <p:spTree>
+      <p:nvGrpSpPr>
+        <p:cNvPr id="1" name=""/>
+        <p:cNvGrpSpPr/>
+        <p:nvPr/>
+      </p:nvGrpSpPr>
+      <p:grpSpPr>
+        <a:xfrm>
+          <a:off x="0" y="0"/>
+          <a:ext cx="0" cy="0"/>
+          <a:chOff x="0" y="0"/>
+          <a:chExt cx="0" cy="0"/>
+        </a:xfrm>
+      </p:grpSpPr>
+      <p:sp>
+        <p:nvSpPr>
+          <p:cNvPr id="2" name="Title 1">
+            <a:extLst>
+              <a:ext uri="{FF2B5EF4-FFF2-40B4-BE49-F238E27FC236}">
+                <a16:creationId xmlns:a16="http://schemas.microsoft.com/office/drawing/2014/main" id="{A6B60127-8F05-4637-BE6B-B3D7B0DF1E66}"/>
+              </a:ext>
+            </a:extLst>
+          </p:cNvPr>
+          <p:cNvSpPr>
+            <a:spLocks noGrp="1"/>
+          </p:cNvSpPr>
+          <p:nvPr>
+            <p:ph type="title"/>
+          </p:nvPr>
+        </p:nvSpPr>
+        <p:spPr>
+          <a:xfrm>
+            <a:off x="359409" y="418021"/>
+            <a:ext cx="6571343" cy="1049235"/>
+          </a:xfrm>
+        </p:spPr>
+        <p:txBody>
+          <a:bodyPr/>
+          <a:lstStyle/>
+          <a:p>
+            <a:r>
+              <a:rPr lang="en-US" dirty="0" err="1"/>
+              <a:t>RESnet</a:t>
+            </a:r>
+            <a:r>
+              <a:rPr lang="en-US" dirty="0"/>
+              <a:t> our implementation</a:t>
+            </a:r>
+          </a:p>
+        </p:txBody>
+      </p:sp>
+      <p:pic>
+        <p:nvPicPr>
+          <p:cNvPr id="5" name="Content Placeholder 4">
+            <a:extLst>
+              <a:ext uri="{FF2B5EF4-FFF2-40B4-BE49-F238E27FC236}">
+                <a16:creationId xmlns:a16="http://schemas.microsoft.com/office/drawing/2014/main" id="{C91C686F-1A58-4973-8F03-87956697742B}"/>
+              </a:ext>
+            </a:extLst>
+          </p:cNvPr>
+          <p:cNvPicPr>
+            <a:picLocks noGrp="1" noChangeAspect="1"/>
+          </p:cNvPicPr>
+          <p:nvPr>
+            <p:ph idx="1"/>
+          </p:nvPr>
+        </p:nvPicPr>
+        <p:blipFill>
+          <a:blip r:embed="rId2"/>
+          <a:stretch>
+            <a:fillRect/>
+          </a:stretch>
+        </p:blipFill>
+        <p:spPr>
+          <a:xfrm>
+            <a:off x="359409" y="1167712"/>
+            <a:ext cx="7710207" cy="4714614"/>
+          </a:xfrm>
+          <a:prstGeom prst="rect">
+            <a:avLst/>
+          </a:prstGeom>
+          <a:solidFill>
+            <a:srgbClr val="FFFFFF">
+              <a:shade val="85000"/>
+            </a:srgbClr>
+          </a:solidFill>
+          <a:ln w="88900" cap="sq">
+            <a:solidFill>
+              <a:srgbClr val="FFFFFF"/>
+            </a:solidFill>
+            <a:miter lim="800000"/>
+          </a:ln>
+          <a:effectLst>
+            <a:outerShdw blurRad="55000" dist="18000" dir="5400000" algn="tl" rotWithShape="0">
+              <a:srgbClr val="000000">
+                <a:alpha val="40000"/>
+              </a:srgbClr>
+            </a:outerShdw>
+          </a:effectLst>
+          <a:scene3d>
+            <a:camera prst="orthographicFront"/>
+            <a:lightRig rig="twoPt" dir="t">
+              <a:rot lat="0" lon="0" rev="7200000"/>
+            </a:lightRig>
+          </a:scene3d>
+          <a:sp3d>
+            <a:bevelT w="25400" h="19050"/>
+            <a:contourClr>
+              <a:srgbClr val="FFFFFF"/>
+            </a:contourClr>
+          </a:sp3d>
+        </p:spPr>
+      </p:pic>
+    </p:spTree>
+    <p:extLst>
+      <p:ext uri="{BB962C8B-B14F-4D97-AF65-F5344CB8AC3E}">
+        <p14:creationId xmlns:p14="http://schemas.microsoft.com/office/powerpoint/2010/main" val="3984697730"/>
+      </p:ext>
+    </p:extLst>
+  </p:cSld>
+  <p:clrMapOvr>
+    <a:masterClrMapping/>
+  </p:clrMapOvr>
+</p:sld>
+</file>
+
+<file path=ppt/slides/slide17.xml><?xml version="1.0" encoding="utf-8"?>
+<p:sld xmlns:a="http://schemas.openxmlformats.org/drawingml/2006/main" xmlns:r="http://schemas.openxmlformats.org/officeDocument/2006/relationships" xmlns:p="http://schemas.openxmlformats.org/presentationml/2006/main">
+  <p:cSld>
+    <p:spTree>
+      <p:nvGrpSpPr>
+        <p:cNvPr id="1" name=""/>
+        <p:cNvGrpSpPr/>
+        <p:nvPr/>
+      </p:nvGrpSpPr>
+      <p:grpSpPr>
+        <a:xfrm>
+          <a:off x="0" y="0"/>
+          <a:ext cx="0" cy="0"/>
+          <a:chOff x="0" y="0"/>
+          <a:chExt cx="0" cy="0"/>
+        </a:xfrm>
+      </p:grpSpPr>
+      <p:pic>
+        <p:nvPicPr>
+          <p:cNvPr id="5" name="Picture 4">
+            <a:extLst>
+              <a:ext uri="{FF2B5EF4-FFF2-40B4-BE49-F238E27FC236}">
+                <a16:creationId xmlns:a16="http://schemas.microsoft.com/office/drawing/2014/main" id="{8084CEF0-C970-4FFB-9037-A0B6C5DEE816}"/>
+              </a:ext>
+            </a:extLst>
+          </p:cNvPr>
+          <p:cNvPicPr>
+            <a:picLocks noChangeAspect="1"/>
+          </p:cNvPicPr>
+          <p:nvPr/>
+        </p:nvPicPr>
+        <p:blipFill>
+          <a:blip r:embed="rId2"/>
+          <a:stretch>
+            <a:fillRect/>
+          </a:stretch>
+        </p:blipFill>
+        <p:spPr>
+          <a:xfrm>
+            <a:off x="220904" y="1189444"/>
+            <a:ext cx="8536687" cy="3816189"/>
+          </a:xfrm>
+          <a:prstGeom prst="rect">
+            <a:avLst/>
+          </a:prstGeom>
+        </p:spPr>
+      </p:pic>
+    </p:spTree>
+    <p:extLst>
+      <p:ext uri="{BB962C8B-B14F-4D97-AF65-F5344CB8AC3E}">
+        <p14:creationId xmlns:p14="http://schemas.microsoft.com/office/powerpoint/2010/main" val="399688902"/>
+      </p:ext>
+    </p:extLst>
+  </p:cSld>
+  <p:clrMapOvr>
+    <a:masterClrMapping/>
+  </p:clrMapOvr>
+</p:sld>
+</file>
+
+<file path=ppt/slides/slide18.xml><?xml version="1.0" encoding="utf-8"?>
+<p:sld xmlns:a="http://schemas.openxmlformats.org/drawingml/2006/main" xmlns:r="http://schemas.openxmlformats.org/officeDocument/2006/relationships" xmlns:p="http://schemas.openxmlformats.org/presentationml/2006/main">
+  <p:cSld>
+    <p:spTree>
+      <p:nvGrpSpPr>
+        <p:cNvPr id="1" name=""/>
+        <p:cNvGrpSpPr/>
+        <p:nvPr/>
+      </p:nvGrpSpPr>
+      <p:grpSpPr>
+        <a:xfrm>
+          <a:off x="0" y="0"/>
+          <a:ext cx="0" cy="0"/>
+          <a:chOff x="0" y="0"/>
+          <a:chExt cx="0" cy="0"/>
+        </a:xfrm>
+      </p:grpSpPr>
+      <p:pic>
+        <p:nvPicPr>
+          <p:cNvPr id="9" name="Content Placeholder 8">
+            <a:extLst>
+              <a:ext uri="{FF2B5EF4-FFF2-40B4-BE49-F238E27FC236}">
+                <a16:creationId xmlns:a16="http://schemas.microsoft.com/office/drawing/2014/main" id="{53A1CDC2-B9DB-4075-BF2D-4C1786065DE4}"/>
+              </a:ext>
+            </a:extLst>
+          </p:cNvPr>
+          <p:cNvPicPr>
+            <a:picLocks noGrp="1" noChangeAspect="1"/>
+          </p:cNvPicPr>
+          <p:nvPr>
+            <p:ph idx="1"/>
+          </p:nvPr>
+        </p:nvPicPr>
+        <p:blipFill>
+          <a:blip r:embed="rId2"/>
+          <a:stretch>
+            <a:fillRect/>
+          </a:stretch>
+        </p:blipFill>
+        <p:spPr>
+          <a:xfrm>
+            <a:off x="306928" y="745602"/>
+            <a:ext cx="8311605" cy="4731371"/>
+          </a:xfrm>
+        </p:spPr>
+      </p:pic>
+    </p:spTree>
+    <p:extLst>
+      <p:ext uri="{BB962C8B-B14F-4D97-AF65-F5344CB8AC3E}">
+        <p14:creationId xmlns:p14="http://schemas.microsoft.com/office/powerpoint/2010/main" val="1725562162"/>
+      </p:ext>
+    </p:extLst>
+  </p:cSld>
+  <p:clrMapOvr>
+    <a:masterClrMapping/>
+  </p:clrMapOvr>
+</p:sld>
+</file>
+
+<file path=ppt/slides/slide19.xml><?xml version="1.0" encoding="utf-8"?>
+<p:sld xmlns:a="http://schemas.openxmlformats.org/drawingml/2006/main" xmlns:r="http://schemas.openxmlformats.org/officeDocument/2006/relationships" xmlns:p="http://schemas.openxmlformats.org/presentationml/2006/main">
+  <p:cSld>
+    <p:spTree>
+      <p:nvGrpSpPr>
+        <p:cNvPr id="1" name=""/>
+        <p:cNvGrpSpPr/>
+        <p:nvPr/>
+      </p:nvGrpSpPr>
+      <p:grpSpPr>
+        <a:xfrm>
+          <a:off x="0" y="0"/>
+          <a:ext cx="0" cy="0"/>
+          <a:chOff x="0" y="0"/>
+          <a:chExt cx="0" cy="0"/>
+        </a:xfrm>
+      </p:grpSpPr>
+      <p:sp>
+        <p:nvSpPr>
+          <p:cNvPr id="2" name="Title 1"/>
+          <p:cNvSpPr>
+            <a:spLocks noGrp="1"/>
+          </p:cNvSpPr>
+          <p:nvPr>
+            <p:ph type="title"/>
+          </p:nvPr>
+        </p:nvSpPr>
+        <p:spPr/>
+        <p:txBody>
+          <a:bodyPr/>
+          <a:lstStyle/>
+          <a:p>
+            <a:r>
+              <a:t>Vizuelni transformer (ViT)</a:t>
+            </a:r>
+          </a:p>
+        </p:txBody>
+      </p:sp>
+      <p:sp>
+        <p:nvSpPr>
+          <p:cNvPr id="3" name="Content Placeholder 2"/>
+          <p:cNvSpPr>
+            <a:spLocks noGrp="1"/>
+          </p:cNvSpPr>
+          <p:nvPr>
+            <p:ph idx="1"/>
+          </p:nvPr>
+        </p:nvSpPr>
+        <p:spPr/>
+        <p:txBody>
+          <a:bodyPr>
+            <a:normAutofit fontScale="85000" lnSpcReduction="20000"/>
+          </a:bodyPr>
+          <a:lstStyle/>
+          <a:p>
+            <a:r>
+              <a:t>ViT je arhitektura bazirana na mehanizmu pažnje za obradu slika.</a:t>
+            </a:r>
+          </a:p>
+          <a:p>
+            <a:r>
+              <a:t>Ključne komponente uključuju:</a:t>
+            </a:r>
+          </a:p>
+          <a:p>
+            <a:r>
+              <a:t>- Tokenizacija: slika se deli u delove i projektuje u visoko-dimenzionalne tokene.</a:t>
+            </a:r>
+          </a:p>
+          <a:p>
+            <a:r>
+              <a:t>- Poziciono kodiranje: dodaje prostorne informacije tokenima.</a:t>
+            </a:r>
+          </a:p>
+          <a:p>
+            <a:r>
+              <a:t>Vizuelni transformeri koriste mehanizam pažnje za globalno razumevanje slike, za razliku od CNN-ova koji su fokusirani na lokalne karakteristike.</a:t>
+            </a:r>
+          </a:p>
+          <a:p>
+            <a:r>
+              <a:t>ViT tokenizuje slike, a potom koristi enkodere transformatora da nauči međusobne odnose između tokena.</a:t>
+            </a:r>
+          </a:p>
+        </p:txBody>
+      </p:sp>
+    </p:spTree>
+  </p:cSld>
+  <p:clrMapOvr>
+    <a:masterClrMapping/>
+  </p:clrMapOvr>
+</p:sld>
+</file>
+
 <file path=ppt/slides/slide2.xml><?xml version="1.0" encoding="utf-8"?>
 <p:sld xmlns:a="http://schemas.openxmlformats.org/drawingml/2006/main" xmlns:r="http://schemas.openxmlformats.org/officeDocument/2006/relationships" xmlns:p="http://schemas.openxmlformats.org/presentationml/2006/main">
   <p:cSld>
@@ -3769,6 +4607,533 @@
           <a:p>
             <a:r>
               <a:t>Cilj je automatizacija procesa klasifikacije radi poboljšanja efikasnosti i kontrole kvaliteta u poljoprivredi.</a:t>
+            </a:r>
+          </a:p>
+        </p:txBody>
+      </p:sp>
+    </p:spTree>
+  </p:cSld>
+  <p:clrMapOvr>
+    <a:masterClrMapping/>
+  </p:clrMapOvr>
+</p:sld>
+</file>
+
+<file path=ppt/slides/slide20.xml><?xml version="1.0" encoding="utf-8"?>
+<p:sld xmlns:a="http://schemas.openxmlformats.org/drawingml/2006/main" xmlns:r="http://schemas.openxmlformats.org/officeDocument/2006/relationships" xmlns:p="http://schemas.openxmlformats.org/presentationml/2006/main">
+  <p:cSld>
+    <p:spTree>
+      <p:nvGrpSpPr>
+        <p:cNvPr id="1" name=""/>
+        <p:cNvGrpSpPr/>
+        <p:nvPr/>
+      </p:nvGrpSpPr>
+      <p:grpSpPr>
+        <a:xfrm>
+          <a:off x="0" y="0"/>
+          <a:ext cx="0" cy="0"/>
+          <a:chOff x="0" y="0"/>
+          <a:chExt cx="0" cy="0"/>
+        </a:xfrm>
+      </p:grpSpPr>
+      <p:sp>
+        <p:nvSpPr>
+          <p:cNvPr id="2" name="Title 1">
+            <a:extLst>
+              <a:ext uri="{FF2B5EF4-FFF2-40B4-BE49-F238E27FC236}">
+                <a16:creationId xmlns:a16="http://schemas.microsoft.com/office/drawing/2014/main" id="{E31793C3-2522-4EF2-8B78-DA2DF4CDB86B}"/>
+              </a:ext>
+            </a:extLst>
+          </p:cNvPr>
+          <p:cNvSpPr>
+            <a:spLocks noGrp="1"/>
+          </p:cNvSpPr>
+          <p:nvPr>
+            <p:ph type="title"/>
+          </p:nvPr>
+        </p:nvSpPr>
+        <p:spPr/>
+        <p:txBody>
+          <a:bodyPr/>
+          <a:lstStyle/>
+          <a:p>
+            <a:endParaRPr lang="en-US"/>
+          </a:p>
+        </p:txBody>
+      </p:sp>
+      <p:pic>
+        <p:nvPicPr>
+          <p:cNvPr id="5" name="Content Placeholder 4">
+            <a:extLst>
+              <a:ext uri="{FF2B5EF4-FFF2-40B4-BE49-F238E27FC236}">
+                <a16:creationId xmlns:a16="http://schemas.microsoft.com/office/drawing/2014/main" id="{10BFBC33-DD83-462F-8E21-CD8655142474}"/>
+              </a:ext>
+            </a:extLst>
+          </p:cNvPr>
+          <p:cNvPicPr>
+            <a:picLocks noGrp="1" noChangeAspect="1"/>
+          </p:cNvPicPr>
+          <p:nvPr>
+            <p:ph idx="1"/>
+          </p:nvPr>
+        </p:nvPicPr>
+        <p:blipFill>
+          <a:blip r:embed="rId2"/>
+          <a:stretch>
+            <a:fillRect/>
+          </a:stretch>
+        </p:blipFill>
+        <p:spPr>
+          <a:xfrm>
+            <a:off x="490194" y="200284"/>
+            <a:ext cx="8163612" cy="5853196"/>
+          </a:xfrm>
+        </p:spPr>
+      </p:pic>
+    </p:spTree>
+    <p:extLst>
+      <p:ext uri="{BB962C8B-B14F-4D97-AF65-F5344CB8AC3E}">
+        <p14:creationId xmlns:p14="http://schemas.microsoft.com/office/powerpoint/2010/main" val="768879472"/>
+      </p:ext>
+    </p:extLst>
+  </p:cSld>
+  <p:clrMapOvr>
+    <a:masterClrMapping/>
+  </p:clrMapOvr>
+</p:sld>
+</file>
+
+<file path=ppt/slides/slide21.xml><?xml version="1.0" encoding="utf-8"?>
+<p:sld xmlns:a="http://schemas.openxmlformats.org/drawingml/2006/main" xmlns:r="http://schemas.openxmlformats.org/officeDocument/2006/relationships" xmlns:p="http://schemas.openxmlformats.org/presentationml/2006/main">
+  <p:cSld>
+    <p:spTree>
+      <p:nvGrpSpPr>
+        <p:cNvPr id="1" name=""/>
+        <p:cNvGrpSpPr/>
+        <p:nvPr/>
+      </p:nvGrpSpPr>
+      <p:grpSpPr>
+        <a:xfrm>
+          <a:off x="0" y="0"/>
+          <a:ext cx="0" cy="0"/>
+          <a:chOff x="0" y="0"/>
+          <a:chExt cx="0" cy="0"/>
+        </a:xfrm>
+      </p:grpSpPr>
+      <p:sp>
+        <p:nvSpPr>
+          <p:cNvPr id="2" name="Title 1">
+            <a:extLst>
+              <a:ext uri="{FF2B5EF4-FFF2-40B4-BE49-F238E27FC236}">
+                <a16:creationId xmlns:a16="http://schemas.microsoft.com/office/drawing/2014/main" id="{29699043-D2A9-4FB1-A6BF-D9915364A934}"/>
+              </a:ext>
+            </a:extLst>
+          </p:cNvPr>
+          <p:cNvSpPr>
+            <a:spLocks noGrp="1"/>
+          </p:cNvSpPr>
+          <p:nvPr>
+            <p:ph type="title"/>
+          </p:nvPr>
+        </p:nvSpPr>
+        <p:spPr/>
+        <p:txBody>
+          <a:bodyPr/>
+          <a:lstStyle/>
+          <a:p>
+            <a:endParaRPr lang="en-US"/>
+          </a:p>
+        </p:txBody>
+      </p:sp>
+      <p:pic>
+        <p:nvPicPr>
+          <p:cNvPr id="5" name="Content Placeholder 4">
+            <a:extLst>
+              <a:ext uri="{FF2B5EF4-FFF2-40B4-BE49-F238E27FC236}">
+                <a16:creationId xmlns:a16="http://schemas.microsoft.com/office/drawing/2014/main" id="{F1FAD2C9-AE23-434D-90C4-5488D06BBA51}"/>
+              </a:ext>
+            </a:extLst>
+          </p:cNvPr>
+          <p:cNvPicPr>
+            <a:picLocks noGrp="1" noChangeAspect="1"/>
+          </p:cNvPicPr>
+          <p:nvPr>
+            <p:ph idx="1"/>
+          </p:nvPr>
+        </p:nvPicPr>
+        <p:blipFill>
+          <a:blip r:embed="rId2"/>
+          <a:stretch>
+            <a:fillRect/>
+          </a:stretch>
+        </p:blipFill>
+        <p:spPr>
+          <a:xfrm>
+            <a:off x="0" y="1"/>
+            <a:ext cx="7980311" cy="2649808"/>
+          </a:xfrm>
+          <a:prstGeom prst="rect">
+            <a:avLst/>
+          </a:prstGeom>
+          <a:solidFill>
+            <a:srgbClr val="FFFFFF">
+              <a:shade val="85000"/>
+            </a:srgbClr>
+          </a:solidFill>
+          <a:ln w="88900" cap="sq">
+            <a:solidFill>
+              <a:srgbClr val="FFFFFF"/>
+            </a:solidFill>
+            <a:miter lim="800000"/>
+          </a:ln>
+          <a:effectLst>
+            <a:outerShdw blurRad="55000" dist="18000" dir="5400000" algn="tl" rotWithShape="0">
+              <a:srgbClr val="000000">
+                <a:alpha val="40000"/>
+              </a:srgbClr>
+            </a:outerShdw>
+          </a:effectLst>
+          <a:scene3d>
+            <a:camera prst="orthographicFront"/>
+            <a:lightRig rig="twoPt" dir="t">
+              <a:rot lat="0" lon="0" rev="7200000"/>
+            </a:lightRig>
+          </a:scene3d>
+          <a:sp3d>
+            <a:bevelT w="25400" h="19050"/>
+            <a:contourClr>
+              <a:srgbClr val="FFFFFF"/>
+            </a:contourClr>
+          </a:sp3d>
+        </p:spPr>
+      </p:pic>
+      <p:pic>
+        <p:nvPicPr>
+          <p:cNvPr id="7" name="Picture 6">
+            <a:extLst>
+              <a:ext uri="{FF2B5EF4-FFF2-40B4-BE49-F238E27FC236}">
+                <a16:creationId xmlns:a16="http://schemas.microsoft.com/office/drawing/2014/main" id="{866F34F8-559D-4E0F-836C-69AB93C7A36F}"/>
+              </a:ext>
+            </a:extLst>
+          </p:cNvPr>
+          <p:cNvPicPr>
+            <a:picLocks noChangeAspect="1"/>
+          </p:cNvPicPr>
+          <p:nvPr/>
+        </p:nvPicPr>
+        <p:blipFill>
+          <a:blip r:embed="rId3"/>
+          <a:stretch>
+            <a:fillRect/>
+          </a:stretch>
+        </p:blipFill>
+        <p:spPr>
+          <a:xfrm>
+            <a:off x="2536887" y="2819050"/>
+            <a:ext cx="6607113" cy="4038950"/>
+          </a:xfrm>
+          <a:prstGeom prst="rect">
+            <a:avLst/>
+          </a:prstGeom>
+          <a:solidFill>
+            <a:srgbClr val="FFFFFF">
+              <a:shade val="85000"/>
+            </a:srgbClr>
+          </a:solidFill>
+          <a:ln w="88900" cap="sq">
+            <a:solidFill>
+              <a:srgbClr val="FFFFFF"/>
+            </a:solidFill>
+            <a:miter lim="800000"/>
+          </a:ln>
+          <a:effectLst>
+            <a:outerShdw blurRad="55000" dist="18000" dir="5400000" algn="tl" rotWithShape="0">
+              <a:srgbClr val="000000">
+                <a:alpha val="40000"/>
+              </a:srgbClr>
+            </a:outerShdw>
+          </a:effectLst>
+          <a:scene3d>
+            <a:camera prst="orthographicFront"/>
+            <a:lightRig rig="twoPt" dir="t">
+              <a:rot lat="0" lon="0" rev="7200000"/>
+            </a:lightRig>
+          </a:scene3d>
+          <a:sp3d>
+            <a:bevelT w="25400" h="19050"/>
+            <a:contourClr>
+              <a:srgbClr val="FFFFFF"/>
+            </a:contourClr>
+          </a:sp3d>
+        </p:spPr>
+      </p:pic>
+    </p:spTree>
+    <p:extLst>
+      <p:ext uri="{BB962C8B-B14F-4D97-AF65-F5344CB8AC3E}">
+        <p14:creationId xmlns:p14="http://schemas.microsoft.com/office/powerpoint/2010/main" val="2107944675"/>
+      </p:ext>
+    </p:extLst>
+  </p:cSld>
+  <p:clrMapOvr>
+    <a:masterClrMapping/>
+  </p:clrMapOvr>
+</p:sld>
+</file>
+
+<file path=ppt/slides/slide22.xml><?xml version="1.0" encoding="utf-8"?>
+<p:sld xmlns:a="http://schemas.openxmlformats.org/drawingml/2006/main" xmlns:r="http://schemas.openxmlformats.org/officeDocument/2006/relationships" xmlns:p="http://schemas.openxmlformats.org/presentationml/2006/main">
+  <p:cSld>
+    <p:spTree>
+      <p:nvGrpSpPr>
+        <p:cNvPr id="1" name=""/>
+        <p:cNvGrpSpPr/>
+        <p:nvPr/>
+      </p:nvGrpSpPr>
+      <p:grpSpPr>
+        <a:xfrm>
+          <a:off x="0" y="0"/>
+          <a:ext cx="0" cy="0"/>
+          <a:chOff x="0" y="0"/>
+          <a:chExt cx="0" cy="0"/>
+        </a:xfrm>
+      </p:grpSpPr>
+      <p:sp>
+        <p:nvSpPr>
+          <p:cNvPr id="2" name="Title 1"/>
+          <p:cNvSpPr>
+            <a:spLocks noGrp="1"/>
+          </p:cNvSpPr>
+          <p:nvPr>
+            <p:ph type="title"/>
+          </p:nvPr>
+        </p:nvSpPr>
+        <p:spPr/>
+        <p:txBody>
+          <a:bodyPr/>
+          <a:lstStyle/>
+          <a:p>
+            <a:r>
+              <a:t>Zaključak</a:t>
+            </a:r>
+          </a:p>
+        </p:txBody>
+      </p:sp>
+      <p:sp>
+        <p:nvSpPr>
+          <p:cNvPr id="3" name="Content Placeholder 2"/>
+          <p:cNvSpPr>
+            <a:spLocks noGrp="1"/>
+          </p:cNvSpPr>
+          <p:nvPr>
+            <p:ph idx="1"/>
+          </p:nvPr>
+        </p:nvSpPr>
+        <p:spPr/>
+        <p:txBody>
+          <a:bodyPr/>
+          <a:lstStyle/>
+          <a:p>
+            <a:r>
+              <a:rPr dirty="0" err="1"/>
+              <a:t>Korišćenjem</a:t>
+            </a:r>
+            <a:r>
+              <a:rPr dirty="0"/>
+              <a:t> CNN, </a:t>
+            </a:r>
+            <a:r>
+              <a:rPr dirty="0" err="1"/>
+              <a:t>ResNet</a:t>
+            </a:r>
+            <a:r>
+              <a:rPr dirty="0"/>
+              <a:t> </a:t>
+            </a:r>
+            <a:r>
+              <a:rPr dirty="0" err="1"/>
+              <a:t>i</a:t>
+            </a:r>
+            <a:r>
+              <a:rPr dirty="0"/>
+              <a:t> </a:t>
+            </a:r>
+            <a:r>
+              <a:rPr dirty="0" err="1"/>
+              <a:t>ViT</a:t>
+            </a:r>
+            <a:r>
+              <a:rPr dirty="0"/>
+              <a:t> </a:t>
+            </a:r>
+            <a:r>
+              <a:rPr dirty="0" err="1"/>
+              <a:t>arhitektura</a:t>
+            </a:r>
+            <a:r>
+              <a:rPr dirty="0"/>
+              <a:t> </a:t>
+            </a:r>
+            <a:r>
+              <a:rPr dirty="0" err="1"/>
+              <a:t>razvijen</a:t>
+            </a:r>
+            <a:r>
+              <a:rPr dirty="0"/>
+              <a:t> je </a:t>
+            </a:r>
+            <a:r>
+              <a:rPr dirty="0" err="1"/>
+              <a:t>precizan</a:t>
+            </a:r>
+            <a:r>
+              <a:rPr dirty="0"/>
+              <a:t> </a:t>
+            </a:r>
+            <a:r>
+              <a:rPr dirty="0" err="1"/>
+              <a:t>i</a:t>
+            </a:r>
+            <a:r>
+              <a:rPr dirty="0"/>
+              <a:t> </a:t>
+            </a:r>
+            <a:r>
+              <a:rPr dirty="0" err="1"/>
+              <a:t>skalabilan</a:t>
+            </a:r>
+            <a:r>
+              <a:rPr dirty="0"/>
+              <a:t> </a:t>
+            </a:r>
+            <a:r>
+              <a:rPr dirty="0" err="1"/>
+              <a:t>sistem</a:t>
+            </a:r>
+            <a:r>
+              <a:rPr dirty="0"/>
+              <a:t> za </a:t>
+            </a:r>
+            <a:r>
+              <a:rPr dirty="0" err="1"/>
+              <a:t>klasifikaciju</a:t>
+            </a:r>
+            <a:r>
+              <a:rPr dirty="0"/>
+              <a:t> </a:t>
+            </a:r>
+            <a:r>
+              <a:rPr dirty="0" err="1"/>
+              <a:t>voća</a:t>
+            </a:r>
+            <a:r>
+              <a:rPr dirty="0"/>
+              <a:t> </a:t>
+            </a:r>
+            <a:r>
+              <a:rPr dirty="0" err="1"/>
+              <a:t>i</a:t>
+            </a:r>
+            <a:r>
+              <a:rPr dirty="0"/>
+              <a:t> </a:t>
+            </a:r>
+            <a:r>
+              <a:rPr dirty="0" err="1"/>
+              <a:t>povrća</a:t>
+            </a:r>
+            <a:r>
+              <a:rPr dirty="0"/>
+              <a:t>.</a:t>
+            </a:r>
+          </a:p>
+          <a:p>
+            <a:r>
+              <a:rPr dirty="0" err="1"/>
+              <a:t>Sistem</a:t>
+            </a:r>
+            <a:r>
+              <a:rPr dirty="0"/>
+              <a:t> je </a:t>
+            </a:r>
+            <a:r>
+              <a:rPr dirty="0" err="1"/>
+              <a:t>pokazao</a:t>
+            </a:r>
+            <a:r>
+              <a:rPr dirty="0"/>
+              <a:t> </a:t>
+            </a:r>
+            <a:r>
+              <a:rPr dirty="0" err="1"/>
+              <a:t>visoku</a:t>
+            </a:r>
+            <a:r>
+              <a:rPr dirty="0"/>
+              <a:t> </a:t>
+            </a:r>
+            <a:r>
+              <a:rPr dirty="0" err="1"/>
+              <a:t>tačnost</a:t>
+            </a:r>
+            <a:r>
+              <a:rPr dirty="0"/>
+              <a:t> </a:t>
+            </a:r>
+            <a:r>
+              <a:rPr dirty="0" err="1"/>
+              <a:t>i</a:t>
+            </a:r>
+            <a:r>
+              <a:rPr dirty="0"/>
+              <a:t> </a:t>
+            </a:r>
+            <a:r>
+              <a:rPr dirty="0" err="1"/>
+              <a:t>svestranost</a:t>
+            </a:r>
+            <a:r>
+              <a:rPr dirty="0"/>
+              <a:t>, </a:t>
+            </a:r>
+            <a:r>
+              <a:rPr dirty="0" err="1"/>
+              <a:t>sa</a:t>
+            </a:r>
+            <a:r>
+              <a:rPr dirty="0"/>
+              <a:t> </a:t>
+            </a:r>
+            <a:r>
+              <a:rPr dirty="0" err="1"/>
+              <a:t>potencijalom</a:t>
+            </a:r>
+            <a:r>
+              <a:rPr dirty="0"/>
+              <a:t> za </a:t>
+            </a:r>
+            <a:r>
+              <a:rPr dirty="0" err="1"/>
+              <a:t>primenu</a:t>
+            </a:r>
+            <a:r>
+              <a:rPr dirty="0"/>
+              <a:t> u </a:t>
+            </a:r>
+            <a:r>
+              <a:rPr dirty="0" err="1"/>
+              <a:t>realnim</a:t>
+            </a:r>
+            <a:r>
+              <a:rPr dirty="0"/>
+              <a:t> </a:t>
+            </a:r>
+            <a:r>
+              <a:rPr dirty="0" err="1"/>
+              <a:t>uslovima</a:t>
+            </a:r>
+            <a:r>
+              <a:rPr dirty="0"/>
+              <a:t>.</a:t>
             </a:r>
           </a:p>
         </p:txBody>
@@ -3870,64 +5235,41 @@
           <a:chExt cx="0" cy="0"/>
         </a:xfrm>
       </p:grpSpPr>
-      <p:sp>
-        <p:nvSpPr>
-          <p:cNvPr id="2" name="Title 1"/>
-          <p:cNvSpPr>
-            <a:spLocks noGrp="1"/>
-          </p:cNvSpPr>
-          <p:nvPr>
-            <p:ph type="title"/>
-          </p:nvPr>
-        </p:nvSpPr>
-        <p:spPr/>
-        <p:txBody>
-          <a:bodyPr/>
-          <a:lstStyle/>
-          <a:p>
-            <a:r>
-              <a:t>Implementacioni pristup</a:t>
-            </a:r>
-          </a:p>
-        </p:txBody>
-      </p:sp>
-      <p:sp>
-        <p:nvSpPr>
-          <p:cNvPr id="3" name="Content Placeholder 2"/>
-          <p:cNvSpPr>
-            <a:spLocks noGrp="1"/>
-          </p:cNvSpPr>
+      <p:pic>
+        <p:nvPicPr>
+          <p:cNvPr id="5" name="Content Placeholder 4">
+            <a:extLst>
+              <a:ext uri="{FF2B5EF4-FFF2-40B4-BE49-F238E27FC236}">
+                <a16:creationId xmlns:a16="http://schemas.microsoft.com/office/drawing/2014/main" id="{1893976E-7377-40CE-A36E-3E97BFE4B4F4}"/>
+              </a:ext>
+            </a:extLst>
+          </p:cNvPr>
+          <p:cNvPicPr>
+            <a:picLocks noGrp="1" noChangeAspect="1"/>
+          </p:cNvPicPr>
           <p:nvPr>
             <p:ph idx="1"/>
           </p:nvPr>
-        </p:nvSpPr>
-        <p:spPr/>
-        <p:txBody>
-          <a:bodyPr/>
-          <a:lstStyle/>
-          <a:p>
-            <a:r>
-              <a:t>Korišćene arhitekture neuronskih mreža:</a:t>
-            </a:r>
-          </a:p>
-          <a:p>
-            <a:r>
-              <a:t>- CNN (Konvolutivne neuronske mreže): za analizu slika i prepoznavanje lokalnih obrazaca.</a:t>
-            </a:r>
-          </a:p>
-          <a:p>
-            <a:r>
-              <a:t>- ResNet (Residualna Mreža): omogućava treniranje veoma dubokih mreža bez gubitka performansi.</a:t>
-            </a:r>
-          </a:p>
-          <a:p>
-            <a:r>
-              <a:t>- Vizuelni transformeri (ViT): koristi prostornu rešetku piksela i omogućava globalno razumevanje slike.</a:t>
-            </a:r>
-          </a:p>
-        </p:txBody>
-      </p:sp>
+        </p:nvPicPr>
+        <p:blipFill>
+          <a:blip r:embed="rId2"/>
+          <a:stretch>
+            <a:fillRect/>
+          </a:stretch>
+        </p:blipFill>
+        <p:spPr>
+          <a:xfrm>
+            <a:off x="1193170" y="722282"/>
+            <a:ext cx="6989296" cy="4403257"/>
+          </a:xfrm>
+        </p:spPr>
+      </p:pic>
     </p:spTree>
+    <p:extLst>
+      <p:ext uri="{BB962C8B-B14F-4D97-AF65-F5344CB8AC3E}">
+        <p14:creationId xmlns:p14="http://schemas.microsoft.com/office/powerpoint/2010/main" val="2779800688"/>
+      </p:ext>
+    </p:extLst>
   </p:cSld>
   <p:clrMapOvr>
     <a:masterClrMapping/>
@@ -3968,7 +5310,7 @@
           <a:lstStyle/>
           <a:p>
             <a:r>
-              <a:t>Konvolutivne neuronske mreže (CNN)</a:t>
+              <a:t>Implementacioni pristup</a:t>
             </a:r>
           </a:p>
         </p:txBody>
@@ -3985,48 +5327,26 @@
         </p:nvSpPr>
         <p:spPr/>
         <p:txBody>
-          <a:bodyPr>
-            <a:normAutofit fontScale="70000" lnSpcReduction="20000"/>
-          </a:bodyPr>
-          <a:lstStyle/>
-          <a:p>
-            <a:r>
-              <a:t>CNN je specijalizovana arhitektura neuronskih mreža dizajnirana za obradu slika.</a:t>
-            </a:r>
-          </a:p>
-          <a:p>
-            <a:r>
-              <a:t>Ključne komponente uključuju:</a:t>
-            </a:r>
-          </a:p>
-          <a:p>
-            <a:r>
-              <a:t>- Konvolutivne slojeve: za ekstrakciju karakteristika.</a:t>
-            </a:r>
-          </a:p>
-          <a:p>
-            <a:r>
-              <a:t>- Agregacione slojeve: za smanjenje dimenzionalnosti.</a:t>
-            </a:r>
-          </a:p>
-          <a:p>
-            <a:r>
-              <a:t>- Aktivacione funkcije: kao što je ReLU za uvođenje nelinearnosti.</a:t>
-            </a:r>
-          </a:p>
-          <a:p>
-            <a:r>
-              <a:t>CNN koristi hijerarhijske slojeve za ekstrakciju karakteristika iz slika.</a:t>
-            </a:r>
-          </a:p>
-          <a:p>
-            <a:r>
-              <a:t>Filteri se primenjuju na ulazne slike u konvolutivnim slojevima kako bi prepoznali lokalne obrasce, kao što su ivice, teksture i oblici.</a:t>
-            </a:r>
-          </a:p>
-          <a:p>
-            <a:r>
-              <a:t>Slojevi agregacije služe za smanjenje dimenzionalnosti, dok aktivacione funkcije poput ReLU uvode nelinearnost u mrežu.</a:t>
+          <a:bodyPr/>
+          <a:lstStyle/>
+          <a:p>
+            <a:r>
+              <a:t>Korišćene arhitekture neuronskih mreža:</a:t>
+            </a:r>
+          </a:p>
+          <a:p>
+            <a:r>
+              <a:t>- CNN (Konvolutivne neuronske mreže): za analizu slika i prepoznavanje lokalnih obrazaca.</a:t>
+            </a:r>
+          </a:p>
+          <a:p>
+            <a:r>
+              <a:t>- ResNet (Residualna Mreža): omogućava treniranje veoma dubokih mreža bez gubitka performansi.</a:t>
+            </a:r>
+          </a:p>
+          <a:p>
+            <a:r>
+              <a:t>- Vizuelni transformeri (ViT): koristi prostornu rešetku piksela i omogućava globalno razumevanje slike.</a:t>
             </a:r>
           </a:p>
         </p:txBody>
@@ -4072,7 +5392,7 @@
           <a:lstStyle/>
           <a:p>
             <a:r>
-              <a:t>ResNet (Residualna Mreža)</a:t>
+              <a:t>Konvolutivne neuronske mreže (CNN)</a:t>
             </a:r>
           </a:p>
         </p:txBody>
@@ -4090,37 +5410,47 @@
         <p:spPr/>
         <p:txBody>
           <a:bodyPr>
-            <a:normAutofit fontScale="85000" lnSpcReduction="20000"/>
+            <a:normAutofit fontScale="70000" lnSpcReduction="20000"/>
           </a:bodyPr>
           <a:lstStyle/>
           <a:p>
             <a:r>
-              <a:t>ResNet arhitektura rešava problem nestajućeg gradijenta u dubokim mrežama.</a:t>
-            </a:r>
-          </a:p>
-          <a:p>
-            <a:r>
-              <a:t>Osnovne karakteristike uključuju:</a:t>
-            </a:r>
-          </a:p>
-          <a:p>
-            <a:r>
-              <a:t>- Rezidualni blokovi: omogućavaju mreži da uči razliku između ulaza i izlaza.</a:t>
-            </a:r>
-          </a:p>
-          <a:p>
-            <a:r>
-              <a:t>- Skok veze: omogućavaju lakše treniranje veoma dubokih mreža.</a:t>
-            </a:r>
-          </a:p>
-          <a:p>
-            <a:r>
-              <a:t>ResNet koristi rezidualne blokove kako bi omogućio treniranje veoma dubokih mreža bez gubitka performansi.</a:t>
-            </a:r>
-          </a:p>
-          <a:p>
-            <a:r>
-              <a:t>Skok veze omogućavaju mreži da uči rezidualno preslikavanje, što ubrzava i olakšava proces obuke dubljih mreža.</a:t>
+              <a:t>CNN je specijalizovana arhitektura neuronskih mreža dizajnirana za obradu slika.</a:t>
+            </a:r>
+          </a:p>
+          <a:p>
+            <a:r>
+              <a:t>Ključne komponente uključuju:</a:t>
+            </a:r>
+          </a:p>
+          <a:p>
+            <a:r>
+              <a:t>- Konvolutivne slojeve: za ekstrakciju karakteristika.</a:t>
+            </a:r>
+          </a:p>
+          <a:p>
+            <a:r>
+              <a:t>- Agregacione slojeve: za smanjenje dimenzionalnosti.</a:t>
+            </a:r>
+          </a:p>
+          <a:p>
+            <a:r>
+              <a:t>- Aktivacione funkcije: kao što je ReLU za uvođenje nelinearnosti.</a:t>
+            </a:r>
+          </a:p>
+          <a:p>
+            <a:r>
+              <a:t>CNN koristi hijerarhijske slojeve za ekstrakciju karakteristika iz slika.</a:t>
+            </a:r>
+          </a:p>
+          <a:p>
+            <a:r>
+              <a:t>Filteri se primenjuju na ulazne slike u konvolutivnim slojevima kako bi prepoznali lokalne obrasce, kao što su ivice, teksture i oblici.</a:t>
+            </a:r>
+          </a:p>
+          <a:p>
+            <a:r>
+              <a:t>Slojevi agregacije služe za smanjenje dimenzionalnosti, dok aktivacione funkcije poput ReLU uvode nelinearnost u mrežu.</a:t>
             </a:r>
           </a:p>
         </p:txBody>
@@ -4150,76 +5480,41 @@
           <a:chExt cx="0" cy="0"/>
         </a:xfrm>
       </p:grpSpPr>
-      <p:sp>
-        <p:nvSpPr>
-          <p:cNvPr id="2" name="Title 1"/>
-          <p:cNvSpPr>
-            <a:spLocks noGrp="1"/>
-          </p:cNvSpPr>
-          <p:nvPr>
-            <p:ph type="title"/>
-          </p:nvPr>
-        </p:nvSpPr>
-        <p:spPr/>
-        <p:txBody>
-          <a:bodyPr/>
-          <a:lstStyle/>
-          <a:p>
-            <a:r>
-              <a:t>Vizuelni transformer (ViT)</a:t>
-            </a:r>
-          </a:p>
-        </p:txBody>
-      </p:sp>
-      <p:sp>
-        <p:nvSpPr>
-          <p:cNvPr id="3" name="Content Placeholder 2"/>
-          <p:cNvSpPr>
-            <a:spLocks noGrp="1"/>
-          </p:cNvSpPr>
+      <p:pic>
+        <p:nvPicPr>
+          <p:cNvPr id="5" name="Content Placeholder 4">
+            <a:extLst>
+              <a:ext uri="{FF2B5EF4-FFF2-40B4-BE49-F238E27FC236}">
+                <a16:creationId xmlns:a16="http://schemas.microsoft.com/office/drawing/2014/main" id="{DBE38C56-C788-4828-92B8-BD0A8FD40BDF}"/>
+              </a:ext>
+            </a:extLst>
+          </p:cNvPr>
+          <p:cNvPicPr>
+            <a:picLocks noGrp="1" noChangeAspect="1"/>
+          </p:cNvPicPr>
           <p:nvPr>
             <p:ph idx="1"/>
           </p:nvPr>
-        </p:nvSpPr>
-        <p:spPr/>
-        <p:txBody>
-          <a:bodyPr>
-            <a:normAutofit fontScale="85000" lnSpcReduction="20000"/>
-          </a:bodyPr>
-          <a:lstStyle/>
-          <a:p>
-            <a:r>
-              <a:t>ViT je arhitektura bazirana na mehanizmu pažnje za obradu slika.</a:t>
-            </a:r>
-          </a:p>
-          <a:p>
-            <a:r>
-              <a:t>Ključne komponente uključuju:</a:t>
-            </a:r>
-          </a:p>
-          <a:p>
-            <a:r>
-              <a:t>- Tokenizacija: slika se deli u delove i projektuje u visoko-dimenzionalne tokene.</a:t>
-            </a:r>
-          </a:p>
-          <a:p>
-            <a:r>
-              <a:t>- Poziciono kodiranje: dodaje prostorne informacije tokenima.</a:t>
-            </a:r>
-          </a:p>
-          <a:p>
-            <a:r>
-              <a:t>Vizuelni transformeri koriste mehanizam pažnje za globalno razumevanje slike, za razliku od CNN-ova koji su fokusirani na lokalne karakteristike.</a:t>
-            </a:r>
-          </a:p>
-          <a:p>
-            <a:r>
-              <a:t>ViT tokenizuje slike, a potom koristi enkodere transformatora da nauči međusobne odnose između tokena.</a:t>
-            </a:r>
-          </a:p>
-        </p:txBody>
-      </p:sp>
+        </p:nvPicPr>
+        <p:blipFill>
+          <a:blip r:embed="rId2"/>
+          <a:stretch>
+            <a:fillRect/>
+          </a:stretch>
+        </p:blipFill>
+        <p:spPr>
+          <a:xfrm>
+            <a:off x="838883" y="1128959"/>
+            <a:ext cx="7466233" cy="3688139"/>
+          </a:xfrm>
+        </p:spPr>
+      </p:pic>
     </p:spTree>
+    <p:extLst>
+      <p:ext uri="{BB962C8B-B14F-4D97-AF65-F5344CB8AC3E}">
+        <p14:creationId xmlns:p14="http://schemas.microsoft.com/office/powerpoint/2010/main" val="531177674"/>
+      </p:ext>
+    </p:extLst>
   </p:cSld>
   <p:clrMapOvr>
     <a:masterClrMapping/>
@@ -4244,248 +5539,286 @@
           <a:chExt cx="0" cy="0"/>
         </a:xfrm>
       </p:grpSpPr>
-      <p:sp>
-        <p:nvSpPr>
-          <p:cNvPr id="2" name="Title 1"/>
-          <p:cNvSpPr>
-            <a:spLocks noGrp="1"/>
-          </p:cNvSpPr>
-          <p:nvPr>
-            <p:ph type="title"/>
-          </p:nvPr>
-        </p:nvSpPr>
-        <p:spPr/>
-        <p:txBody>
-          <a:bodyPr/>
-          <a:lstStyle/>
-          <a:p>
-            <a:r>
-              <a:t>Zaključak</a:t>
-            </a:r>
-          </a:p>
-        </p:txBody>
-      </p:sp>
-      <p:sp>
-        <p:nvSpPr>
-          <p:cNvPr id="3" name="Content Placeholder 2"/>
-          <p:cNvSpPr>
-            <a:spLocks noGrp="1"/>
-          </p:cNvSpPr>
+      <p:pic>
+        <p:nvPicPr>
+          <p:cNvPr id="5" name="Content Placeholder 4">
+            <a:extLst>
+              <a:ext uri="{FF2B5EF4-FFF2-40B4-BE49-F238E27FC236}">
+                <a16:creationId xmlns:a16="http://schemas.microsoft.com/office/drawing/2014/main" id="{306043D0-0117-45DE-B959-D7956C32E01A}"/>
+              </a:ext>
+            </a:extLst>
+          </p:cNvPr>
+          <p:cNvPicPr>
+            <a:picLocks noGrp="1" noChangeAspect="1"/>
+          </p:cNvPicPr>
           <p:nvPr>
             <p:ph idx="1"/>
           </p:nvPr>
-        </p:nvSpPr>
-        <p:spPr/>
-        <p:txBody>
-          <a:bodyPr/>
-          <a:lstStyle/>
-          <a:p>
-            <a:r>
-              <a:rPr dirty="0" err="1"/>
-              <a:t>Korišćenjem</a:t>
-            </a:r>
-            <a:r>
-              <a:rPr dirty="0"/>
-              <a:t> CNN, </a:t>
-            </a:r>
-            <a:r>
-              <a:rPr dirty="0" err="1"/>
-              <a:t>ResNet</a:t>
-            </a:r>
-            <a:r>
-              <a:rPr dirty="0"/>
-              <a:t> </a:t>
-            </a:r>
-            <a:r>
-              <a:rPr dirty="0" err="1"/>
-              <a:t>i</a:t>
-            </a:r>
-            <a:r>
-              <a:rPr dirty="0"/>
-              <a:t> </a:t>
-            </a:r>
-            <a:r>
-              <a:rPr dirty="0" err="1"/>
-              <a:t>ViT</a:t>
-            </a:r>
-            <a:r>
-              <a:rPr dirty="0"/>
-              <a:t> </a:t>
-            </a:r>
-            <a:r>
-              <a:rPr dirty="0" err="1"/>
-              <a:t>arhitektura</a:t>
-            </a:r>
-            <a:r>
-              <a:rPr dirty="0"/>
-              <a:t> </a:t>
-            </a:r>
-            <a:r>
-              <a:rPr dirty="0" err="1"/>
-              <a:t>razvijen</a:t>
-            </a:r>
-            <a:r>
-              <a:rPr dirty="0"/>
-              <a:t> je </a:t>
-            </a:r>
-            <a:r>
-              <a:rPr dirty="0" err="1"/>
-              <a:t>precizan</a:t>
-            </a:r>
-            <a:r>
-              <a:rPr dirty="0"/>
-              <a:t> </a:t>
-            </a:r>
-            <a:r>
-              <a:rPr dirty="0" err="1"/>
-              <a:t>i</a:t>
-            </a:r>
-            <a:r>
-              <a:rPr dirty="0"/>
-              <a:t> </a:t>
-            </a:r>
-            <a:r>
-              <a:rPr dirty="0" err="1"/>
-              <a:t>skalabilan</a:t>
-            </a:r>
-            <a:r>
-              <a:rPr dirty="0"/>
-              <a:t> </a:t>
-            </a:r>
-            <a:r>
-              <a:rPr dirty="0" err="1"/>
-              <a:t>sistem</a:t>
-            </a:r>
-            <a:r>
-              <a:rPr dirty="0"/>
-              <a:t> za </a:t>
-            </a:r>
-            <a:r>
-              <a:rPr dirty="0" err="1"/>
-              <a:t>klasifikaciju</a:t>
-            </a:r>
-            <a:r>
-              <a:rPr dirty="0"/>
-              <a:t> </a:t>
-            </a:r>
-            <a:r>
-              <a:rPr dirty="0" err="1"/>
-              <a:t>voća</a:t>
-            </a:r>
-            <a:r>
-              <a:rPr dirty="0"/>
-              <a:t> </a:t>
-            </a:r>
-            <a:r>
-              <a:rPr dirty="0" err="1"/>
-              <a:t>i</a:t>
-            </a:r>
-            <a:r>
-              <a:rPr dirty="0"/>
-              <a:t> </a:t>
-            </a:r>
-            <a:r>
-              <a:rPr dirty="0" err="1"/>
-              <a:t>povrća</a:t>
-            </a:r>
-            <a:r>
-              <a:rPr dirty="0"/>
-              <a:t>.</a:t>
-            </a:r>
-          </a:p>
-          <a:p>
-            <a:r>
-              <a:rPr dirty="0" err="1"/>
-              <a:t>Sistem</a:t>
-            </a:r>
-            <a:r>
-              <a:rPr dirty="0"/>
-              <a:t> je </a:t>
-            </a:r>
-            <a:r>
-              <a:rPr dirty="0" err="1"/>
-              <a:t>pokazao</a:t>
-            </a:r>
-            <a:r>
-              <a:rPr dirty="0"/>
-              <a:t> </a:t>
-            </a:r>
-            <a:r>
-              <a:rPr dirty="0" err="1"/>
-              <a:t>visoku</a:t>
-            </a:r>
-            <a:r>
-              <a:rPr dirty="0"/>
-              <a:t> </a:t>
-            </a:r>
-            <a:r>
-              <a:rPr dirty="0" err="1"/>
-              <a:t>tačnost</a:t>
-            </a:r>
-            <a:r>
-              <a:rPr dirty="0"/>
-              <a:t> </a:t>
-            </a:r>
-            <a:r>
-              <a:rPr dirty="0" err="1"/>
-              <a:t>i</a:t>
-            </a:r>
-            <a:r>
-              <a:rPr dirty="0"/>
-              <a:t> </a:t>
-            </a:r>
-            <a:r>
-              <a:rPr dirty="0" err="1"/>
-              <a:t>svestranost</a:t>
-            </a:r>
-            <a:r>
-              <a:rPr dirty="0"/>
-              <a:t>, </a:t>
-            </a:r>
-            <a:r>
-              <a:rPr dirty="0" err="1"/>
-              <a:t>sa</a:t>
-            </a:r>
-            <a:r>
-              <a:rPr dirty="0"/>
-              <a:t> </a:t>
-            </a:r>
-            <a:r>
-              <a:rPr dirty="0" err="1"/>
-              <a:t>potencijalom</a:t>
-            </a:r>
-            <a:r>
-              <a:rPr dirty="0"/>
-              <a:t> za </a:t>
-            </a:r>
-            <a:r>
-              <a:rPr dirty="0" err="1"/>
-              <a:t>primenu</a:t>
-            </a:r>
-            <a:r>
-              <a:rPr dirty="0"/>
-              <a:t> u </a:t>
-            </a:r>
-            <a:r>
-              <a:rPr dirty="0" err="1"/>
-              <a:t>realnim</a:t>
-            </a:r>
-            <a:r>
-              <a:rPr dirty="0"/>
-              <a:t> </a:t>
-            </a:r>
-            <a:r>
-              <a:rPr dirty="0" err="1"/>
-              <a:t>uslovima</a:t>
-            </a:r>
-            <a:r>
-              <a:rPr dirty="0"/>
-              <a:t>.</a:t>
-            </a:r>
-          </a:p>
-        </p:txBody>
-      </p:sp>
+        </p:nvPicPr>
+        <p:blipFill>
+          <a:blip r:embed="rId2"/>
+          <a:stretch>
+            <a:fillRect/>
+          </a:stretch>
+        </p:blipFill>
+        <p:spPr>
+          <a:xfrm>
+            <a:off x="0" y="0"/>
+            <a:ext cx="5196699" cy="3741924"/>
+          </a:xfrm>
+          <a:prstGeom prst="rect">
+            <a:avLst/>
+          </a:prstGeom>
+          <a:solidFill>
+            <a:srgbClr val="FFFFFF">
+              <a:shade val="85000"/>
+            </a:srgbClr>
+          </a:solidFill>
+          <a:ln w="88900" cap="sq">
+            <a:solidFill>
+              <a:srgbClr val="FFFFFF"/>
+            </a:solidFill>
+            <a:miter lim="800000"/>
+          </a:ln>
+          <a:effectLst>
+            <a:outerShdw blurRad="55000" dist="18000" dir="5400000" algn="tl" rotWithShape="0">
+              <a:srgbClr val="000000">
+                <a:alpha val="40000"/>
+              </a:srgbClr>
+            </a:outerShdw>
+          </a:effectLst>
+          <a:scene3d>
+            <a:camera prst="orthographicFront"/>
+            <a:lightRig rig="twoPt" dir="t">
+              <a:rot lat="0" lon="0" rev="7200000"/>
+            </a:lightRig>
+          </a:scene3d>
+          <a:sp3d>
+            <a:bevelT w="25400" h="19050"/>
+            <a:contourClr>
+              <a:srgbClr val="FFFFFF"/>
+            </a:contourClr>
+          </a:sp3d>
+        </p:spPr>
+      </p:pic>
+      <p:pic>
+        <p:nvPicPr>
+          <p:cNvPr id="13" name="Picture 12">
+            <a:extLst>
+              <a:ext uri="{FF2B5EF4-FFF2-40B4-BE49-F238E27FC236}">
+                <a16:creationId xmlns:a16="http://schemas.microsoft.com/office/drawing/2014/main" id="{C43A4386-F8AF-4922-9DE0-688BA7C3DA10}"/>
+              </a:ext>
+            </a:extLst>
+          </p:cNvPr>
+          <p:cNvPicPr>
+            <a:picLocks noChangeAspect="1"/>
+          </p:cNvPicPr>
+          <p:nvPr/>
+        </p:nvPicPr>
+        <p:blipFill>
+          <a:blip r:embed="rId3"/>
+          <a:stretch>
+            <a:fillRect/>
+          </a:stretch>
+        </p:blipFill>
+        <p:spPr>
+          <a:xfrm>
+            <a:off x="2998245" y="3116076"/>
+            <a:ext cx="6145755" cy="3741924"/>
+          </a:xfrm>
+          <a:prstGeom prst="rect">
+            <a:avLst/>
+          </a:prstGeom>
+          <a:solidFill>
+            <a:srgbClr val="FFFFFF">
+              <a:shade val="85000"/>
+            </a:srgbClr>
+          </a:solidFill>
+          <a:ln w="88900" cap="sq">
+            <a:solidFill>
+              <a:srgbClr val="FFFFFF"/>
+            </a:solidFill>
+            <a:miter lim="800000"/>
+          </a:ln>
+          <a:effectLst>
+            <a:outerShdw blurRad="55000" dist="18000" dir="5400000" algn="tl" rotWithShape="0">
+              <a:srgbClr val="000000">
+                <a:alpha val="40000"/>
+              </a:srgbClr>
+            </a:outerShdw>
+          </a:effectLst>
+          <a:scene3d>
+            <a:camera prst="orthographicFront"/>
+            <a:lightRig rig="twoPt" dir="t">
+              <a:rot lat="0" lon="0" rev="7200000"/>
+            </a:lightRig>
+          </a:scene3d>
+          <a:sp3d>
+            <a:bevelT w="25400" h="19050"/>
+            <a:contourClr>
+              <a:srgbClr val="FFFFFF"/>
+            </a:contourClr>
+          </a:sp3d>
+        </p:spPr>
+      </p:pic>
     </p:spTree>
+    <p:extLst>
+      <p:ext uri="{BB962C8B-B14F-4D97-AF65-F5344CB8AC3E}">
+        <p14:creationId xmlns:p14="http://schemas.microsoft.com/office/powerpoint/2010/main" val="4055234820"/>
+      </p:ext>
+    </p:extLst>
+  </p:cSld>
+  <p:clrMapOvr>
+    <a:masterClrMapping/>
+  </p:clrMapOvr>
+</p:sld>
+</file>
+
+<file path=ppt/slides/slide9.xml><?xml version="1.0" encoding="utf-8"?>
+<p:sld xmlns:a="http://schemas.openxmlformats.org/drawingml/2006/main" xmlns:r="http://schemas.openxmlformats.org/officeDocument/2006/relationships" xmlns:p="http://schemas.openxmlformats.org/presentationml/2006/main">
+  <p:cSld>
+    <p:spTree>
+      <p:nvGrpSpPr>
+        <p:cNvPr id="1" name=""/>
+        <p:cNvGrpSpPr/>
+        <p:nvPr/>
+      </p:nvGrpSpPr>
+      <p:grpSpPr>
+        <a:xfrm>
+          <a:off x="0" y="0"/>
+          <a:ext cx="0" cy="0"/>
+          <a:chOff x="0" y="0"/>
+          <a:chExt cx="0" cy="0"/>
+        </a:xfrm>
+      </p:grpSpPr>
+      <p:pic>
+        <p:nvPicPr>
+          <p:cNvPr id="5" name="Content Placeholder 4">
+            <a:extLst>
+              <a:ext uri="{FF2B5EF4-FFF2-40B4-BE49-F238E27FC236}">
+                <a16:creationId xmlns:a16="http://schemas.microsoft.com/office/drawing/2014/main" id="{B0327BFD-05D0-439E-88BC-AA9BCD767396}"/>
+              </a:ext>
+            </a:extLst>
+          </p:cNvPr>
+          <p:cNvPicPr>
+            <a:picLocks noGrp="1" noChangeAspect="1"/>
+          </p:cNvPicPr>
+          <p:nvPr>
+            <p:ph idx="1"/>
+          </p:nvPr>
+        </p:nvPicPr>
+        <p:blipFill>
+          <a:blip r:embed="rId2"/>
+          <a:stretch>
+            <a:fillRect/>
+          </a:stretch>
+        </p:blipFill>
+        <p:spPr>
+          <a:xfrm>
+            <a:off x="75414" y="0"/>
+            <a:ext cx="5260157" cy="3102197"/>
+          </a:xfrm>
+          <a:prstGeom prst="rect">
+            <a:avLst/>
+          </a:prstGeom>
+          <a:solidFill>
+            <a:srgbClr val="FFFFFF">
+              <a:shade val="85000"/>
+            </a:srgbClr>
+          </a:solidFill>
+          <a:ln w="88900" cap="sq">
+            <a:solidFill>
+              <a:srgbClr val="FFFFFF"/>
+            </a:solidFill>
+            <a:miter lim="800000"/>
+          </a:ln>
+          <a:effectLst>
+            <a:outerShdw blurRad="55000" dist="18000" dir="5400000" algn="tl" rotWithShape="0">
+              <a:srgbClr val="000000">
+                <a:alpha val="40000"/>
+              </a:srgbClr>
+            </a:outerShdw>
+          </a:effectLst>
+          <a:scene3d>
+            <a:camera prst="orthographicFront"/>
+            <a:lightRig rig="twoPt" dir="t">
+              <a:rot lat="0" lon="0" rev="7200000"/>
+            </a:lightRig>
+          </a:scene3d>
+          <a:sp3d>
+            <a:bevelT w="25400" h="19050"/>
+            <a:contourClr>
+              <a:srgbClr val="FFFFFF"/>
+            </a:contourClr>
+          </a:sp3d>
+        </p:spPr>
+      </p:pic>
+      <p:pic>
+        <p:nvPicPr>
+          <p:cNvPr id="7" name="Picture 6">
+            <a:extLst>
+              <a:ext uri="{FF2B5EF4-FFF2-40B4-BE49-F238E27FC236}">
+                <a16:creationId xmlns:a16="http://schemas.microsoft.com/office/drawing/2014/main" id="{2B03DF28-1B3E-444F-96AE-1424B5D5DB23}"/>
+              </a:ext>
+            </a:extLst>
+          </p:cNvPr>
+          <p:cNvPicPr>
+            <a:picLocks noChangeAspect="1"/>
+          </p:cNvPicPr>
+          <p:nvPr/>
+        </p:nvPicPr>
+        <p:blipFill>
+          <a:blip r:embed="rId3"/>
+          <a:stretch>
+            <a:fillRect/>
+          </a:stretch>
+        </p:blipFill>
+        <p:spPr>
+          <a:xfrm>
+            <a:off x="3571534" y="3221610"/>
+            <a:ext cx="5440490" cy="3636390"/>
+          </a:xfrm>
+          <a:prstGeom prst="rect">
+            <a:avLst/>
+          </a:prstGeom>
+          <a:solidFill>
+            <a:srgbClr val="FFFFFF">
+              <a:shade val="85000"/>
+            </a:srgbClr>
+          </a:solidFill>
+          <a:ln w="88900" cap="sq">
+            <a:solidFill>
+              <a:srgbClr val="FFFFFF"/>
+            </a:solidFill>
+            <a:miter lim="800000"/>
+          </a:ln>
+          <a:effectLst>
+            <a:outerShdw blurRad="55000" dist="18000" dir="5400000" algn="tl" rotWithShape="0">
+              <a:srgbClr val="000000">
+                <a:alpha val="40000"/>
+              </a:srgbClr>
+            </a:outerShdw>
+          </a:effectLst>
+          <a:scene3d>
+            <a:camera prst="orthographicFront"/>
+            <a:lightRig rig="twoPt" dir="t">
+              <a:rot lat="0" lon="0" rev="7200000"/>
+            </a:lightRig>
+          </a:scene3d>
+          <a:sp3d>
+            <a:bevelT w="25400" h="19050"/>
+            <a:contourClr>
+              <a:srgbClr val="FFFFFF"/>
+            </a:contourClr>
+          </a:sp3d>
+        </p:spPr>
+      </p:pic>
+    </p:spTree>
+    <p:extLst>
+      <p:ext uri="{BB962C8B-B14F-4D97-AF65-F5344CB8AC3E}">
+        <p14:creationId xmlns:p14="http://schemas.microsoft.com/office/powerpoint/2010/main" val="3543059661"/>
+      </p:ext>
+    </p:extLst>
   </p:cSld>
   <p:clrMapOvr>
     <a:masterClrMapping/>
